--- a/EA-Planner/figures/planner_newest1.pptx
+++ b/EA-Planner/figures/planner_newest1.pptx
@@ -5,7 +5,7 @@
     <p:sldMasterId id="2147483708" r:id="rId1"/>
   </p:sldMasterIdLst>
   <p:sldIdLst>
-    <p:sldId id="262" r:id="rId2"/>
+    <p:sldId id="263" r:id="rId2"/>
   </p:sldIdLst>
   <p:sldSz cx="8928100" cy="1800225"/>
   <p:notesSz cx="6858000" cy="9144000"/>
@@ -327,7 +327,7 @@
           <a:p>
             <a:fld id="{6D933A0E-EA41-4F5B-8ECE-99C7B1A5A1E5}" type="datetimeFigureOut">
               <a:rPr lang="en-US" smtClean="0"/>
-              <a:t>6/26/2025</a:t>
+              <a:t>6/27/2025</a:t>
             </a:fld>
             <a:endParaRPr lang="en-US"/>
           </a:p>
@@ -497,7 +497,7 @@
           <a:p>
             <a:fld id="{6D933A0E-EA41-4F5B-8ECE-99C7B1A5A1E5}" type="datetimeFigureOut">
               <a:rPr lang="en-US" smtClean="0"/>
-              <a:t>6/26/2025</a:t>
+              <a:t>6/27/2025</a:t>
             </a:fld>
             <a:endParaRPr lang="en-US"/>
           </a:p>
@@ -677,7 +677,7 @@
           <a:p>
             <a:fld id="{6D933A0E-EA41-4F5B-8ECE-99C7B1A5A1E5}" type="datetimeFigureOut">
               <a:rPr lang="en-US" smtClean="0"/>
-              <a:t>6/26/2025</a:t>
+              <a:t>6/27/2025</a:t>
             </a:fld>
             <a:endParaRPr lang="en-US"/>
           </a:p>
@@ -847,7 +847,7 @@
           <a:p>
             <a:fld id="{6D933A0E-EA41-4F5B-8ECE-99C7B1A5A1E5}" type="datetimeFigureOut">
               <a:rPr lang="en-US" smtClean="0"/>
-              <a:t>6/26/2025</a:t>
+              <a:t>6/27/2025</a:t>
             </a:fld>
             <a:endParaRPr lang="en-US"/>
           </a:p>
@@ -1093,7 +1093,7 @@
           <a:p>
             <a:fld id="{6D933A0E-EA41-4F5B-8ECE-99C7B1A5A1E5}" type="datetimeFigureOut">
               <a:rPr lang="en-US" smtClean="0"/>
-              <a:t>6/26/2025</a:t>
+              <a:t>6/27/2025</a:t>
             </a:fld>
             <a:endParaRPr lang="en-US"/>
           </a:p>
@@ -1325,7 +1325,7 @@
           <a:p>
             <a:fld id="{6D933A0E-EA41-4F5B-8ECE-99C7B1A5A1E5}" type="datetimeFigureOut">
               <a:rPr lang="en-US" smtClean="0"/>
-              <a:t>6/26/2025</a:t>
+              <a:t>6/27/2025</a:t>
             </a:fld>
             <a:endParaRPr lang="en-US"/>
           </a:p>
@@ -1692,7 +1692,7 @@
           <a:p>
             <a:fld id="{6D933A0E-EA41-4F5B-8ECE-99C7B1A5A1E5}" type="datetimeFigureOut">
               <a:rPr lang="en-US" smtClean="0"/>
-              <a:t>6/26/2025</a:t>
+              <a:t>6/27/2025</a:t>
             </a:fld>
             <a:endParaRPr lang="en-US"/>
           </a:p>
@@ -1810,7 +1810,7 @@
           <a:p>
             <a:fld id="{6D933A0E-EA41-4F5B-8ECE-99C7B1A5A1E5}" type="datetimeFigureOut">
               <a:rPr lang="en-US" smtClean="0"/>
-              <a:t>6/26/2025</a:t>
+              <a:t>6/27/2025</a:t>
             </a:fld>
             <a:endParaRPr lang="en-US"/>
           </a:p>
@@ -1905,7 +1905,7 @@
           <a:p>
             <a:fld id="{6D933A0E-EA41-4F5B-8ECE-99C7B1A5A1E5}" type="datetimeFigureOut">
               <a:rPr lang="en-US" smtClean="0"/>
-              <a:t>6/26/2025</a:t>
+              <a:t>6/27/2025</a:t>
             </a:fld>
             <a:endParaRPr lang="en-US"/>
           </a:p>
@@ -2182,7 +2182,7 @@
           <a:p>
             <a:fld id="{6D933A0E-EA41-4F5B-8ECE-99C7B1A5A1E5}" type="datetimeFigureOut">
               <a:rPr lang="en-US" smtClean="0"/>
-              <a:t>6/26/2025</a:t>
+              <a:t>6/27/2025</a:t>
             </a:fld>
             <a:endParaRPr lang="en-US"/>
           </a:p>
@@ -2439,7 +2439,7 @@
           <a:p>
             <a:fld id="{6D933A0E-EA41-4F5B-8ECE-99C7B1A5A1E5}" type="datetimeFigureOut">
               <a:rPr lang="en-US" smtClean="0"/>
-              <a:t>6/26/2025</a:t>
+              <a:t>6/27/2025</a:t>
             </a:fld>
             <a:endParaRPr lang="en-US"/>
           </a:p>
@@ -2652,7 +2652,7 @@
           <a:p>
             <a:fld id="{6D933A0E-EA41-4F5B-8ECE-99C7B1A5A1E5}" type="datetimeFigureOut">
               <a:rPr lang="en-US" smtClean="0"/>
-              <a:t>6/26/2025</a:t>
+              <a:t>6/27/2025</a:t>
             </a:fld>
             <a:endParaRPr lang="en-US"/>
           </a:p>
@@ -3048,7 +3048,7 @@
         <p:cNvPr id="1" name="">
           <a:extLst>
             <a:ext uri="{FF2B5EF4-FFF2-40B4-BE49-F238E27FC236}">
-              <a16:creationId xmlns:a16="http://schemas.microsoft.com/office/drawing/2014/main" id="{62631607-A548-5BE0-368D-CAC5757C6165}"/>
+              <a16:creationId xmlns:a16="http://schemas.microsoft.com/office/drawing/2014/main" id="{609A0828-8EC5-3045-6DC5-E290ED82E292}"/>
             </a:ext>
           </a:extLst>
         </p:cNvPr>
@@ -3068,7 +3068,7 @@
           <p:cNvPr id="4" name="Oval 3">
             <a:extLst>
               <a:ext uri="{FF2B5EF4-FFF2-40B4-BE49-F238E27FC236}">
-                <a16:creationId xmlns:a16="http://schemas.microsoft.com/office/drawing/2014/main" id="{998F00C1-B36A-EDE9-36AC-67A8D163B330}"/>
+                <a16:creationId xmlns:a16="http://schemas.microsoft.com/office/drawing/2014/main" id="{9E83BADA-C5F0-2A80-B6F5-6315DAD01147}"/>
               </a:ext>
             </a:extLst>
           </p:cNvPr>
@@ -3122,7 +3122,7 @@
           <p:cNvPr id="5" name="Oval 4">
             <a:extLst>
               <a:ext uri="{FF2B5EF4-FFF2-40B4-BE49-F238E27FC236}">
-                <a16:creationId xmlns:a16="http://schemas.microsoft.com/office/drawing/2014/main" id="{FC73A09C-1C2A-5EAF-4336-E441186C9E70}"/>
+                <a16:creationId xmlns:a16="http://schemas.microsoft.com/office/drawing/2014/main" id="{27540AD3-5258-4C76-048D-EDEBA69493A7}"/>
               </a:ext>
             </a:extLst>
           </p:cNvPr>
@@ -3171,7 +3171,7 @@
           <p:cNvPr id="6" name="Oval 5">
             <a:extLst>
               <a:ext uri="{FF2B5EF4-FFF2-40B4-BE49-F238E27FC236}">
-                <a16:creationId xmlns:a16="http://schemas.microsoft.com/office/drawing/2014/main" id="{AEDB3A7D-03BB-82B6-6536-A0411CAC809A}"/>
+                <a16:creationId xmlns:a16="http://schemas.microsoft.com/office/drawing/2014/main" id="{EB06FE5F-90CE-DF75-8D1A-C7E35BD99CEC}"/>
               </a:ext>
             </a:extLst>
           </p:cNvPr>
@@ -3225,7 +3225,7 @@
           <p:cNvPr id="7" name="Oval 6">
             <a:extLst>
               <a:ext uri="{FF2B5EF4-FFF2-40B4-BE49-F238E27FC236}">
-                <a16:creationId xmlns:a16="http://schemas.microsoft.com/office/drawing/2014/main" id="{CEE06CDC-FC94-8A20-3D7F-A8DE2AC255F1}"/>
+                <a16:creationId xmlns:a16="http://schemas.microsoft.com/office/drawing/2014/main" id="{587CF573-0E1D-9F0B-34A6-D7E4A91BDA98}"/>
               </a:ext>
             </a:extLst>
           </p:cNvPr>
@@ -3279,7 +3279,7 @@
           <p:cNvPr id="8" name="Straight Connector 7">
             <a:extLst>
               <a:ext uri="{FF2B5EF4-FFF2-40B4-BE49-F238E27FC236}">
-                <a16:creationId xmlns:a16="http://schemas.microsoft.com/office/drawing/2014/main" id="{B0B79353-DAC0-CFFA-21A8-ED3D01E0D967}"/>
+                <a16:creationId xmlns:a16="http://schemas.microsoft.com/office/drawing/2014/main" id="{B062A7D7-609A-219E-CCEF-99029B317258}"/>
               </a:ext>
             </a:extLst>
           </p:cNvPr>
@@ -3324,7 +3324,7 @@
           <p:cNvPr id="9" name="Oval 8">
             <a:extLst>
               <a:ext uri="{FF2B5EF4-FFF2-40B4-BE49-F238E27FC236}">
-                <a16:creationId xmlns:a16="http://schemas.microsoft.com/office/drawing/2014/main" id="{CE8E416D-8F01-7845-DFB9-2EAB28C95B49}"/>
+                <a16:creationId xmlns:a16="http://schemas.microsoft.com/office/drawing/2014/main" id="{2F26FC36-7CC8-FFED-9D0D-683C4BC6032B}"/>
               </a:ext>
             </a:extLst>
           </p:cNvPr>
@@ -3378,7 +3378,7 @@
           <p:cNvPr id="10" name="Straight Connector 9">
             <a:extLst>
               <a:ext uri="{FF2B5EF4-FFF2-40B4-BE49-F238E27FC236}">
-                <a16:creationId xmlns:a16="http://schemas.microsoft.com/office/drawing/2014/main" id="{915D4FF8-8858-B138-51A4-09ACD52EBF7C}"/>
+                <a16:creationId xmlns:a16="http://schemas.microsoft.com/office/drawing/2014/main" id="{DE8AFC20-60A3-312F-58A8-73009D11DCCE}"/>
               </a:ext>
             </a:extLst>
           </p:cNvPr>
@@ -3423,7 +3423,7 @@
           <p:cNvPr id="11" name="Straight Connector 10">
             <a:extLst>
               <a:ext uri="{FF2B5EF4-FFF2-40B4-BE49-F238E27FC236}">
-                <a16:creationId xmlns:a16="http://schemas.microsoft.com/office/drawing/2014/main" id="{7E972FB3-AC06-3852-EE1F-35F93AA121FE}"/>
+                <a16:creationId xmlns:a16="http://schemas.microsoft.com/office/drawing/2014/main" id="{BD51730F-4F46-D2D3-5D55-4AFC3DA7EDD6}"/>
               </a:ext>
             </a:extLst>
           </p:cNvPr>
@@ -3470,7 +3470,7 @@
               <p14:cNvPr id="12" name="Ink 11">
                 <a:extLst>
                   <a:ext uri="{FF2B5EF4-FFF2-40B4-BE49-F238E27FC236}">
-                    <a16:creationId xmlns:a16="http://schemas.microsoft.com/office/drawing/2014/main" id="{8D639883-ABF7-BB1E-4FA5-2C0D78A15587}"/>
+                    <a16:creationId xmlns:a16="http://schemas.microsoft.com/office/drawing/2014/main" id="{8AE3A0B3-5393-3769-2926-B083ECE8D6BD}"/>
                   </a:ext>
                 </a:extLst>
               </p14:cNvPr>
@@ -3519,7 +3519,7 @@
           <p:cNvPr id="13" name="Freeform: Shape 12">
             <a:extLst>
               <a:ext uri="{FF2B5EF4-FFF2-40B4-BE49-F238E27FC236}">
-                <a16:creationId xmlns:a16="http://schemas.microsoft.com/office/drawing/2014/main" id="{24851086-5412-3889-1802-45485C3741B0}"/>
+                <a16:creationId xmlns:a16="http://schemas.microsoft.com/office/drawing/2014/main" id="{A6DA56A5-E5F3-156B-D866-48ADFE05C984}"/>
               </a:ext>
             </a:extLst>
           </p:cNvPr>
@@ -3647,7 +3647,7 @@
           <p:cNvPr id="15" name="Straight Connector 14">
             <a:extLst>
               <a:ext uri="{FF2B5EF4-FFF2-40B4-BE49-F238E27FC236}">
-                <a16:creationId xmlns:a16="http://schemas.microsoft.com/office/drawing/2014/main" id="{065A7DF0-7D03-5304-61D7-0C9BC1D80049}"/>
+                <a16:creationId xmlns:a16="http://schemas.microsoft.com/office/drawing/2014/main" id="{29050B92-3E21-A664-C562-569D1A3AAD29}"/>
               </a:ext>
             </a:extLst>
           </p:cNvPr>
@@ -3690,7 +3690,7 @@
           <p:cNvPr id="16" name="Straight Connector 15">
             <a:extLst>
               <a:ext uri="{FF2B5EF4-FFF2-40B4-BE49-F238E27FC236}">
-                <a16:creationId xmlns:a16="http://schemas.microsoft.com/office/drawing/2014/main" id="{1FA864F9-F367-A0E9-7E62-E128213A5853}"/>
+                <a16:creationId xmlns:a16="http://schemas.microsoft.com/office/drawing/2014/main" id="{4F8B4B9F-50FA-9283-25E5-FAC1E6FAA8CF}"/>
               </a:ext>
             </a:extLst>
           </p:cNvPr>
@@ -3733,7 +3733,7 @@
           <p:cNvPr id="21" name="Oval 20">
             <a:extLst>
               <a:ext uri="{FF2B5EF4-FFF2-40B4-BE49-F238E27FC236}">
-                <a16:creationId xmlns:a16="http://schemas.microsoft.com/office/drawing/2014/main" id="{594CACF1-CCD4-75A3-D9A5-FF67293F57E8}"/>
+                <a16:creationId xmlns:a16="http://schemas.microsoft.com/office/drawing/2014/main" id="{E1628A59-7EE8-445B-1C1E-E42F2F503430}"/>
               </a:ext>
             </a:extLst>
           </p:cNvPr>
@@ -3782,7 +3782,7 @@
           <p:cNvPr id="23" name="Freeform: Shape 22">
             <a:extLst>
               <a:ext uri="{FF2B5EF4-FFF2-40B4-BE49-F238E27FC236}">
-                <a16:creationId xmlns:a16="http://schemas.microsoft.com/office/drawing/2014/main" id="{C30F43D0-9627-B604-F3AE-8CE98540481B}"/>
+                <a16:creationId xmlns:a16="http://schemas.microsoft.com/office/drawing/2014/main" id="{6F3AA229-A4FA-FF30-9FD2-EB81C4AF389A}"/>
               </a:ext>
             </a:extLst>
           </p:cNvPr>
@@ -3910,7 +3910,7 @@
           <p:cNvPr id="25" name="Straight Connector 24">
             <a:extLst>
               <a:ext uri="{FF2B5EF4-FFF2-40B4-BE49-F238E27FC236}">
-                <a16:creationId xmlns:a16="http://schemas.microsoft.com/office/drawing/2014/main" id="{D44649BA-FD69-D4AC-8048-C69B658E4F27}"/>
+                <a16:creationId xmlns:a16="http://schemas.microsoft.com/office/drawing/2014/main" id="{5652C5BD-E36D-E9FB-2E3C-D65DCB193D21}"/>
               </a:ext>
             </a:extLst>
           </p:cNvPr>
@@ -3953,7 +3953,7 @@
           <p:cNvPr id="26" name="Straight Connector 25">
             <a:extLst>
               <a:ext uri="{FF2B5EF4-FFF2-40B4-BE49-F238E27FC236}">
-                <a16:creationId xmlns:a16="http://schemas.microsoft.com/office/drawing/2014/main" id="{7AAC4442-C933-C54F-9C7B-F43ED9AABC04}"/>
+                <a16:creationId xmlns:a16="http://schemas.microsoft.com/office/drawing/2014/main" id="{C0186D1A-15C1-E9AB-6B87-EBB02A0C3AC5}"/>
               </a:ext>
             </a:extLst>
           </p:cNvPr>
@@ -3996,7 +3996,7 @@
           <p:cNvPr id="31" name="Oval 30">
             <a:extLst>
               <a:ext uri="{FF2B5EF4-FFF2-40B4-BE49-F238E27FC236}">
-                <a16:creationId xmlns:a16="http://schemas.microsoft.com/office/drawing/2014/main" id="{093BE59D-DBBF-B2CA-C35F-1FF4B189FF38}"/>
+                <a16:creationId xmlns:a16="http://schemas.microsoft.com/office/drawing/2014/main" id="{B5C729D3-01AB-EB2D-C420-06FA157EC70D}"/>
               </a:ext>
             </a:extLst>
           </p:cNvPr>
@@ -4050,7 +4050,7 @@
           <p:cNvPr id="33" name="Oval 32">
             <a:extLst>
               <a:ext uri="{FF2B5EF4-FFF2-40B4-BE49-F238E27FC236}">
-                <a16:creationId xmlns:a16="http://schemas.microsoft.com/office/drawing/2014/main" id="{156C561F-E03E-5F4D-44BA-053A9A5D7ECB}"/>
+                <a16:creationId xmlns:a16="http://schemas.microsoft.com/office/drawing/2014/main" id="{E7D061AA-BF44-8997-E5E4-9FEDE7FEF667}"/>
               </a:ext>
             </a:extLst>
           </p:cNvPr>
@@ -4104,7 +4104,7 @@
           <p:cNvPr id="34" name="Oval 33">
             <a:extLst>
               <a:ext uri="{FF2B5EF4-FFF2-40B4-BE49-F238E27FC236}">
-                <a16:creationId xmlns:a16="http://schemas.microsoft.com/office/drawing/2014/main" id="{93AED7FA-D9CC-D9C3-EA54-6196B4E40DD9}"/>
+                <a16:creationId xmlns:a16="http://schemas.microsoft.com/office/drawing/2014/main" id="{755FB4EA-C4CC-638F-A7C9-1B2558C45092}"/>
               </a:ext>
             </a:extLst>
           </p:cNvPr>
@@ -4158,7 +4158,7 @@
           <p:cNvPr id="43" name="Oval 42">
             <a:extLst>
               <a:ext uri="{FF2B5EF4-FFF2-40B4-BE49-F238E27FC236}">
-                <a16:creationId xmlns:a16="http://schemas.microsoft.com/office/drawing/2014/main" id="{EED26BA8-AE8D-2775-215B-CD6F60B2A155}"/>
+                <a16:creationId xmlns:a16="http://schemas.microsoft.com/office/drawing/2014/main" id="{FD73231A-F191-D050-A5B4-450A66444136}"/>
               </a:ext>
             </a:extLst>
           </p:cNvPr>
@@ -4209,7 +4209,7 @@
               <p14:cNvPr id="44" name="Ink 43">
                 <a:extLst>
                   <a:ext uri="{FF2B5EF4-FFF2-40B4-BE49-F238E27FC236}">
-                    <a16:creationId xmlns:a16="http://schemas.microsoft.com/office/drawing/2014/main" id="{C6E8DB49-F82B-1B05-9E64-E58D76DDBA6C}"/>
+                    <a16:creationId xmlns:a16="http://schemas.microsoft.com/office/drawing/2014/main" id="{8FDB9D26-7B2D-2BD9-1D89-931BDFC31DAE}"/>
                   </a:ext>
                 </a:extLst>
               </p14:cNvPr>
@@ -4258,7 +4258,7 @@
           <p:cNvPr id="45" name="Freeform: Shape 44">
             <a:extLst>
               <a:ext uri="{FF2B5EF4-FFF2-40B4-BE49-F238E27FC236}">
-                <a16:creationId xmlns:a16="http://schemas.microsoft.com/office/drawing/2014/main" id="{291CDF5A-5F8B-17E9-D686-0F5C1349DCB5}"/>
+                <a16:creationId xmlns:a16="http://schemas.microsoft.com/office/drawing/2014/main" id="{25F8E208-7397-5A71-953E-C6B918F8EED2}"/>
               </a:ext>
             </a:extLst>
           </p:cNvPr>
@@ -4386,7 +4386,7 @@
           <p:cNvPr id="48" name="Straight Connector 47">
             <a:extLst>
               <a:ext uri="{FF2B5EF4-FFF2-40B4-BE49-F238E27FC236}">
-                <a16:creationId xmlns:a16="http://schemas.microsoft.com/office/drawing/2014/main" id="{B7E69CFA-0DC5-1326-54A7-1152B5B88F2A}"/>
+                <a16:creationId xmlns:a16="http://schemas.microsoft.com/office/drawing/2014/main" id="{2EBAE154-571C-2B15-8E70-47D64E52B257}"/>
               </a:ext>
             </a:extLst>
           </p:cNvPr>
@@ -4429,7 +4429,7 @@
           <p:cNvPr id="50" name="Oval 49">
             <a:extLst>
               <a:ext uri="{FF2B5EF4-FFF2-40B4-BE49-F238E27FC236}">
-                <a16:creationId xmlns:a16="http://schemas.microsoft.com/office/drawing/2014/main" id="{D83D48C1-6EAB-3CEF-9079-BED40B84851A}"/>
+                <a16:creationId xmlns:a16="http://schemas.microsoft.com/office/drawing/2014/main" id="{CFEEBC25-BE2E-B422-738D-6C92230C86F6}"/>
               </a:ext>
             </a:extLst>
           </p:cNvPr>
@@ -4483,7 +4483,7 @@
           <p:cNvPr id="51" name="Oval 50">
             <a:extLst>
               <a:ext uri="{FF2B5EF4-FFF2-40B4-BE49-F238E27FC236}">
-                <a16:creationId xmlns:a16="http://schemas.microsoft.com/office/drawing/2014/main" id="{72C2403B-207D-E641-2ECB-6D9634631963}"/>
+                <a16:creationId xmlns:a16="http://schemas.microsoft.com/office/drawing/2014/main" id="{019C82B2-FFD8-099D-937E-D39C7A97EBB4}"/>
               </a:ext>
             </a:extLst>
           </p:cNvPr>
@@ -4537,7 +4537,7 @@
           <p:cNvPr id="52" name="Straight Connector 51">
             <a:extLst>
               <a:ext uri="{FF2B5EF4-FFF2-40B4-BE49-F238E27FC236}">
-                <a16:creationId xmlns:a16="http://schemas.microsoft.com/office/drawing/2014/main" id="{8F122926-61F8-9B77-4102-7A3F96953ACB}"/>
+                <a16:creationId xmlns:a16="http://schemas.microsoft.com/office/drawing/2014/main" id="{E9111242-62BE-95D3-898B-D294F4A6203E}"/>
               </a:ext>
             </a:extLst>
           </p:cNvPr>
@@ -4583,7 +4583,7 @@
           <p:cNvPr id="56" name="Oval 55">
             <a:extLst>
               <a:ext uri="{FF2B5EF4-FFF2-40B4-BE49-F238E27FC236}">
-                <a16:creationId xmlns:a16="http://schemas.microsoft.com/office/drawing/2014/main" id="{91E5970D-8C8D-CBA1-CAB2-EB52C419CBAC}"/>
+                <a16:creationId xmlns:a16="http://schemas.microsoft.com/office/drawing/2014/main" id="{23E83DEC-C940-9190-65C9-F4C3AA96DCE1}"/>
               </a:ext>
             </a:extLst>
           </p:cNvPr>
@@ -4592,7 +4592,7 @@
         </p:nvSpPr>
         <p:spPr>
           <a:xfrm>
-            <a:off x="7074497" y="1219779"/>
+            <a:off x="7047567" y="1220790"/>
             <a:ext cx="68339" cy="64319"/>
           </a:xfrm>
           <a:prstGeom prst="ellipse">
@@ -4632,7 +4632,7 @@
           <p:cNvPr id="57" name="Straight Connector 56">
             <a:extLst>
               <a:ext uri="{FF2B5EF4-FFF2-40B4-BE49-F238E27FC236}">
-                <a16:creationId xmlns:a16="http://schemas.microsoft.com/office/drawing/2014/main" id="{FB82F1F1-0C96-1123-EF75-6CCFDE613BB6}"/>
+                <a16:creationId xmlns:a16="http://schemas.microsoft.com/office/drawing/2014/main" id="{90616781-1C3D-2232-14E9-6BA81C379DF2}"/>
               </a:ext>
             </a:extLst>
           </p:cNvPr>
@@ -4677,19 +4677,20 @@
           <p:cNvPr id="58" name="Straight Connector 57">
             <a:extLst>
               <a:ext uri="{FF2B5EF4-FFF2-40B4-BE49-F238E27FC236}">
-                <a16:creationId xmlns:a16="http://schemas.microsoft.com/office/drawing/2014/main" id="{ADA83912-0D9E-EF37-F3A7-43A71A61E6D3}"/>
+                <a16:creationId xmlns:a16="http://schemas.microsoft.com/office/drawing/2014/main" id="{3B30B95F-04EB-27DA-3528-865FB81F029A}"/>
               </a:ext>
             </a:extLst>
           </p:cNvPr>
           <p:cNvCxnSpPr>
             <a:cxnSpLocks/>
+            <a:stCxn id="3" idx="1"/>
           </p:cNvCxnSpPr>
           <p:nvPr/>
         </p:nvCxnSpPr>
         <p:spPr>
           <a:xfrm>
-            <a:off x="7150754" y="1284105"/>
-            <a:ext cx="469420" cy="324426"/>
+            <a:off x="7101089" y="1283633"/>
+            <a:ext cx="519085" cy="324898"/>
           </a:xfrm>
           <a:prstGeom prst="line">
             <a:avLst/>
@@ -4724,7 +4725,7 @@
               <p14:cNvPr id="59" name="Ink 58">
                 <a:extLst>
                   <a:ext uri="{FF2B5EF4-FFF2-40B4-BE49-F238E27FC236}">
-                    <a16:creationId xmlns:a16="http://schemas.microsoft.com/office/drawing/2014/main" id="{F0E501C4-92A5-1509-FB32-22203437B710}"/>
+                    <a16:creationId xmlns:a16="http://schemas.microsoft.com/office/drawing/2014/main" id="{885B2F02-B645-C508-8E54-DE41FA5F3E91}"/>
                   </a:ext>
                 </a:extLst>
               </p14:cNvPr>
@@ -4773,7 +4774,7 @@
           <p:cNvPr id="60" name="Straight Connector 59">
             <a:extLst>
               <a:ext uri="{FF2B5EF4-FFF2-40B4-BE49-F238E27FC236}">
-                <a16:creationId xmlns:a16="http://schemas.microsoft.com/office/drawing/2014/main" id="{708F7B5C-821C-4759-95EE-9DCCB3452BC1}"/>
+                <a16:creationId xmlns:a16="http://schemas.microsoft.com/office/drawing/2014/main" id="{B4B5B0C6-BBBF-BF4F-D340-94CC495A2471}"/>
               </a:ext>
             </a:extLst>
           </p:cNvPr>
@@ -4822,7 +4823,7 @@
           <p:cNvPr id="61" name="Straight Connector 60">
             <a:extLst>
               <a:ext uri="{FF2B5EF4-FFF2-40B4-BE49-F238E27FC236}">
-                <a16:creationId xmlns:a16="http://schemas.microsoft.com/office/drawing/2014/main" id="{6B64646D-D216-5CB1-6424-AE776CBF5BE4}"/>
+                <a16:creationId xmlns:a16="http://schemas.microsoft.com/office/drawing/2014/main" id="{F34A83D5-1B7C-3946-E71E-4CF5CFA6C7D1}"/>
               </a:ext>
             </a:extLst>
           </p:cNvPr>
@@ -4839,7 +4840,7 @@
           <a:prstGeom prst="line">
             <a:avLst/>
           </a:prstGeom>
-          <a:ln w="38100" cap="flat" cmpd="sng" algn="ctr">
+          <a:ln w="28575" cap="flat" cmpd="sng" algn="ctr">
             <a:solidFill>
               <a:schemeClr val="tx1">
                 <a:alpha val="70000"/>
@@ -4868,113 +4869,10 @@
       </p:cxnSp>
       <p:sp>
         <p:nvSpPr>
-          <p:cNvPr id="62" name="Freeform: Shape 61">
-            <a:extLst>
-              <a:ext uri="{FF2B5EF4-FFF2-40B4-BE49-F238E27FC236}">
-                <a16:creationId xmlns:a16="http://schemas.microsoft.com/office/drawing/2014/main" id="{A9418E52-1D38-49B8-C39B-BC06A3DFF6DC}"/>
-              </a:ext>
-            </a:extLst>
-          </p:cNvPr>
-          <p:cNvSpPr/>
-          <p:nvPr/>
-        </p:nvSpPr>
-        <p:spPr>
-          <a:xfrm rot="21297226">
-            <a:off x="7208349" y="779649"/>
-            <a:ext cx="1102552" cy="799169"/>
-          </a:xfrm>
-          <a:custGeom>
-            <a:avLst/>
-            <a:gdLst>
-              <a:gd name="connsiteX0" fmla="*/ 498103 w 1837045"/>
-              <a:gd name="connsiteY0" fmla="*/ 0 h 1343195"/>
-              <a:gd name="connsiteX1" fmla="*/ 27840 w 1837045"/>
-              <a:gd name="connsiteY1" fmla="*/ 666206 h 1343195"/>
-              <a:gd name="connsiteX2" fmla="*/ 249908 w 1837045"/>
-              <a:gd name="connsiteY2" fmla="*/ 1338943 h 1343195"/>
-              <a:gd name="connsiteX3" fmla="*/ 1837045 w 1837045"/>
-              <a:gd name="connsiteY3" fmla="*/ 901337 h 1343195"/>
-            </a:gdLst>
-            <a:ahLst/>
-            <a:cxnLst>
-              <a:cxn ang="0">
-                <a:pos x="connsiteX0" y="connsiteY0"/>
-              </a:cxn>
-              <a:cxn ang="0">
-                <a:pos x="connsiteX1" y="connsiteY1"/>
-              </a:cxn>
-              <a:cxn ang="0">
-                <a:pos x="connsiteX2" y="connsiteY2"/>
-              </a:cxn>
-              <a:cxn ang="0">
-                <a:pos x="connsiteX3" y="connsiteY3"/>
-              </a:cxn>
-            </a:cxnLst>
-            <a:rect l="l" t="t" r="r" b="b"/>
-            <a:pathLst>
-              <a:path w="1837045" h="1343195">
-                <a:moveTo>
-                  <a:pt x="498103" y="0"/>
-                </a:moveTo>
-                <a:cubicBezTo>
-                  <a:pt x="283654" y="221524"/>
-                  <a:pt x="69206" y="443049"/>
-                  <a:pt x="27840" y="666206"/>
-                </a:cubicBezTo>
-                <a:cubicBezTo>
-                  <a:pt x="-13526" y="889363"/>
-                  <a:pt x="-51626" y="1299755"/>
-                  <a:pt x="249908" y="1338943"/>
-                </a:cubicBezTo>
-                <a:cubicBezTo>
-                  <a:pt x="551442" y="1378131"/>
-                  <a:pt x="1194243" y="1139734"/>
-                  <a:pt x="1837045" y="901337"/>
-                </a:cubicBezTo>
-              </a:path>
-            </a:pathLst>
-          </a:custGeom>
-          <a:ln w="38100" cap="flat" cmpd="sng" algn="ctr">
-            <a:solidFill>
-              <a:schemeClr val="tx1">
-                <a:alpha val="70000"/>
-              </a:schemeClr>
-            </a:solidFill>
-            <a:prstDash val="solid"/>
-            <a:round/>
-            <a:headEnd type="none" w="med" len="med"/>
-            <a:tailEnd type="arrow" w="med" len="med"/>
-          </a:ln>
-        </p:spPr>
-        <p:style>
-          <a:lnRef idx="0">
-            <a:scrgbClr r="0" g="0" b="0"/>
-          </a:lnRef>
-          <a:fillRef idx="0">
-            <a:scrgbClr r="0" g="0" b="0"/>
-          </a:fillRef>
-          <a:effectRef idx="0">
-            <a:scrgbClr r="0" g="0" b="0"/>
-          </a:effectRef>
-          <a:fontRef idx="minor">
-            <a:schemeClr val="tx1"/>
-          </a:fontRef>
-        </p:style>
-        <p:txBody>
-          <a:bodyPr rtlCol="0" anchor="ctr"/>
-          <a:lstStyle/>
-          <a:p>
-            <a:pPr algn="ctr"/>
-            <a:endParaRPr lang="en-US" sz="948"/>
-          </a:p>
-        </p:txBody>
-      </p:sp>
-      <p:sp>
-        <p:nvSpPr>
           <p:cNvPr id="63" name="Freeform: Shape 62">
             <a:extLst>
               <a:ext uri="{FF2B5EF4-FFF2-40B4-BE49-F238E27FC236}">
-                <a16:creationId xmlns:a16="http://schemas.microsoft.com/office/drawing/2014/main" id="{F136D179-F561-98DA-AB68-2B0912A31E11}"/>
+                <a16:creationId xmlns:a16="http://schemas.microsoft.com/office/drawing/2014/main" id="{5ADA3581-76FA-6CB2-5723-A8D379544B0E}"/>
               </a:ext>
             </a:extLst>
           </p:cNvPr>
@@ -5102,7 +5000,7 @@
           <p:cNvPr id="66" name="Straight Connector 65">
             <a:extLst>
               <a:ext uri="{FF2B5EF4-FFF2-40B4-BE49-F238E27FC236}">
-                <a16:creationId xmlns:a16="http://schemas.microsoft.com/office/drawing/2014/main" id="{8DE86BCB-61DE-0024-0B01-0E28F09F70A5}"/>
+                <a16:creationId xmlns:a16="http://schemas.microsoft.com/office/drawing/2014/main" id="{72D97222-362C-6AFE-D31F-29BF8D827283}"/>
               </a:ext>
             </a:extLst>
           </p:cNvPr>
@@ -5145,7 +5043,7 @@
           <p:cNvPr id="67" name="Straight Connector 66">
             <a:extLst>
               <a:ext uri="{FF2B5EF4-FFF2-40B4-BE49-F238E27FC236}">
-                <a16:creationId xmlns:a16="http://schemas.microsoft.com/office/drawing/2014/main" id="{80A7440B-2E21-5342-6EF7-B14DA30A5ECC}"/>
+                <a16:creationId xmlns:a16="http://schemas.microsoft.com/office/drawing/2014/main" id="{A69B4E4A-A582-AA34-CA25-50FB5D99915B}"/>
               </a:ext>
             </a:extLst>
           </p:cNvPr>
@@ -5183,14 +5081,14 @@
           </a:fontRef>
         </p:style>
       </p:cxnSp>
-      <mc:AlternateContent xmlns:mc="http://schemas.openxmlformats.org/markup-compatibility/2006" xmlns:a14="http://schemas.microsoft.com/office/drawing/2010/main">
-        <mc:Choice Requires="a14">
+      <mc:AlternateContent xmlns:mc="http://schemas.openxmlformats.org/markup-compatibility/2006">
+        <mc:Choice xmlns:a14="http://schemas.microsoft.com/office/drawing/2010/main" Requires="a14">
           <p:sp>
             <p:nvSpPr>
               <p:cNvPr id="68" name="TextBox 67">
                 <a:extLst>
                   <a:ext uri="{FF2B5EF4-FFF2-40B4-BE49-F238E27FC236}">
-                    <a16:creationId xmlns:a16="http://schemas.microsoft.com/office/drawing/2014/main" id="{B48CE659-4DD7-9B0D-B444-4A87264EA0FC}"/>
+                    <a16:creationId xmlns:a16="http://schemas.microsoft.com/office/drawing/2014/main" id="{06D17FF8-6249-F4A0-AC77-457C949868BD}"/>
                   </a:ext>
                 </a:extLst>
               </p:cNvPr>
@@ -5199,7 +5097,7 @@
             </p:nvSpPr>
             <p:spPr>
               <a:xfrm>
-                <a:off x="7113547" y="409224"/>
+                <a:off x="7053959" y="529617"/>
                 <a:ext cx="519068" cy="276679"/>
               </a:xfrm>
               <a:prstGeom prst="rect">
@@ -5256,13 +5154,13 @@
             </p:txBody>
           </p:sp>
         </mc:Choice>
-        <mc:Fallback xmlns="">
+        <mc:Fallback>
           <p:sp>
             <p:nvSpPr>
               <p:cNvPr id="68" name="TextBox 67">
                 <a:extLst>
                   <a:ext uri="{FF2B5EF4-FFF2-40B4-BE49-F238E27FC236}">
-                    <a16:creationId xmlns:a16="http://schemas.microsoft.com/office/drawing/2014/main" id="{B48CE659-4DD7-9B0D-B444-4A87264EA0FC}"/>
+                    <a16:creationId xmlns:a16="http://schemas.microsoft.com/office/drawing/2014/main" id="{06D17FF8-6249-F4A0-AC77-457C949868BD}"/>
                   </a:ext>
                 </a:extLst>
               </p:cNvPr>
@@ -5273,7 +5171,7 @@
             </p:nvSpPr>
             <p:spPr>
               <a:xfrm>
-                <a:off x="7113547" y="409224"/>
+                <a:off x="7053959" y="529617"/>
                 <a:ext cx="519068" cy="276679"/>
               </a:xfrm>
               <a:prstGeom prst="rect">
@@ -5282,7 +5180,7 @@
               <a:blipFill>
                 <a:blip r:embed="rId6"/>
                 <a:stretch>
-                  <a:fillRect b="-2174"/>
+                  <a:fillRect b="-4444"/>
                 </a:stretch>
               </a:blipFill>
             </p:spPr>
@@ -5306,7 +5204,7 @@
           <p:cNvPr id="69" name="Oval 68">
             <a:extLst>
               <a:ext uri="{FF2B5EF4-FFF2-40B4-BE49-F238E27FC236}">
-                <a16:creationId xmlns:a16="http://schemas.microsoft.com/office/drawing/2014/main" id="{71CF5248-117C-CD66-A80A-82967835049B}"/>
+                <a16:creationId xmlns:a16="http://schemas.microsoft.com/office/drawing/2014/main" id="{A88CF6B5-23B5-1627-6F13-B2A480FD37E3}"/>
               </a:ext>
             </a:extLst>
           </p:cNvPr>
@@ -5360,7 +5258,7 @@
           <p:cNvPr id="70" name="Oval 69">
             <a:extLst>
               <a:ext uri="{FF2B5EF4-FFF2-40B4-BE49-F238E27FC236}">
-                <a16:creationId xmlns:a16="http://schemas.microsoft.com/office/drawing/2014/main" id="{A346612F-B74A-9CC1-6493-16ACBA143E6C}"/>
+                <a16:creationId xmlns:a16="http://schemas.microsoft.com/office/drawing/2014/main" id="{B5C65F46-9960-4BE7-F251-648A4AF1BD88}"/>
               </a:ext>
             </a:extLst>
           </p:cNvPr>
@@ -5411,7 +5309,7 @@
               <p:cNvPr id="75" name="TextBox 74">
                 <a:extLst>
                   <a:ext uri="{FF2B5EF4-FFF2-40B4-BE49-F238E27FC236}">
-                    <a16:creationId xmlns:a16="http://schemas.microsoft.com/office/drawing/2014/main" id="{2E2465EA-F196-A31B-2890-79F244375D25}"/>
+                    <a16:creationId xmlns:a16="http://schemas.microsoft.com/office/drawing/2014/main" id="{80753A19-ACF5-4692-242C-C44FDD949D2D}"/>
                   </a:ext>
                 </a:extLst>
               </p:cNvPr>
@@ -5516,14 +5414,14 @@
           </p:sp>
         </mc:Fallback>
       </mc:AlternateContent>
-      <mc:AlternateContent xmlns:mc="http://schemas.openxmlformats.org/markup-compatibility/2006" xmlns:a14="http://schemas.microsoft.com/office/drawing/2010/main">
-        <mc:Choice Requires="a14">
+      <mc:AlternateContent xmlns:mc="http://schemas.openxmlformats.org/markup-compatibility/2006">
+        <mc:Choice xmlns:a14="http://schemas.microsoft.com/office/drawing/2010/main" Requires="a14">
           <p:sp>
             <p:nvSpPr>
               <p:cNvPr id="76" name="TextBox 75">
                 <a:extLst>
                   <a:ext uri="{FF2B5EF4-FFF2-40B4-BE49-F238E27FC236}">
-                    <a16:creationId xmlns:a16="http://schemas.microsoft.com/office/drawing/2014/main" id="{0B0190AD-0168-18D1-1EEC-7716638B83FA}"/>
+                    <a16:creationId xmlns:a16="http://schemas.microsoft.com/office/drawing/2014/main" id="{07B89693-4372-02B3-7838-F6BF281E995D}"/>
                   </a:ext>
                 </a:extLst>
               </p:cNvPr>
@@ -5532,7 +5430,7 @@
             </p:nvSpPr>
             <p:spPr>
               <a:xfrm>
-                <a:off x="6883520" y="1060696"/>
+                <a:off x="6845324" y="1030887"/>
                 <a:ext cx="296582" cy="430631"/>
               </a:xfrm>
               <a:prstGeom prst="rect">
@@ -5548,7 +5446,7 @@
               <a:p>
                 <a:r>
                   <a:rPr lang="en-US" sz="1099" dirty="0"/>
-                  <a:t>       </a:t>
+                  <a:t>      </a:t>
                 </a:r>
                 <a14:m>
                   <m:oMath xmlns:m="http://schemas.openxmlformats.org/officeDocument/2006/math">
@@ -5588,13 +5486,13 @@
             </p:txBody>
           </p:sp>
         </mc:Choice>
-        <mc:Fallback xmlns="">
+        <mc:Fallback>
           <p:sp>
             <p:nvSpPr>
               <p:cNvPr id="76" name="TextBox 75">
                 <a:extLst>
                   <a:ext uri="{FF2B5EF4-FFF2-40B4-BE49-F238E27FC236}">
-                    <a16:creationId xmlns:a16="http://schemas.microsoft.com/office/drawing/2014/main" id="{0B0190AD-0168-18D1-1EEC-7716638B83FA}"/>
+                    <a16:creationId xmlns:a16="http://schemas.microsoft.com/office/drawing/2014/main" id="{07B89693-4372-02B3-7838-F6BF281E995D}"/>
                   </a:ext>
                 </a:extLst>
               </p:cNvPr>
@@ -5605,7 +5503,7 @@
             </p:nvSpPr>
             <p:spPr>
               <a:xfrm>
-                <a:off x="6883520" y="1060696"/>
+                <a:off x="6845324" y="1030887"/>
                 <a:ext cx="296582" cy="430631"/>
               </a:xfrm>
               <a:prstGeom prst="rect">
@@ -5640,7 +5538,7 @@
               <p:cNvPr id="78" name="TextBox 77">
                 <a:extLst>
                   <a:ext uri="{FF2B5EF4-FFF2-40B4-BE49-F238E27FC236}">
-                    <a16:creationId xmlns:a16="http://schemas.microsoft.com/office/drawing/2014/main" id="{34445CD0-CDC6-85BD-C466-391985F40DA5}"/>
+                    <a16:creationId xmlns:a16="http://schemas.microsoft.com/office/drawing/2014/main" id="{69024CF9-0087-041E-563B-13F04125DB21}"/>
                   </a:ext>
                 </a:extLst>
               </p:cNvPr>
@@ -5649,7 +5547,7 @@
             </p:nvSpPr>
             <p:spPr>
               <a:xfrm>
-                <a:off x="2687194" y="425007"/>
+                <a:off x="2760587" y="424476"/>
                 <a:ext cx="306148" cy="430631"/>
               </a:xfrm>
               <a:prstGeom prst="rect">
@@ -5722,7 +5620,7 @@
             </p:nvSpPr>
             <p:spPr>
               <a:xfrm>
-                <a:off x="2687194" y="425007"/>
+                <a:off x="2760587" y="424476"/>
                 <a:ext cx="306148" cy="430631"/>
               </a:xfrm>
               <a:prstGeom prst="rect">
@@ -5757,7 +5655,7 @@
               <p:cNvPr id="80" name="TextBox 79">
                 <a:extLst>
                   <a:ext uri="{FF2B5EF4-FFF2-40B4-BE49-F238E27FC236}">
-                    <a16:creationId xmlns:a16="http://schemas.microsoft.com/office/drawing/2014/main" id="{436B1A8F-BAEE-D31C-E680-AD954E5DCE11}"/>
+                    <a16:creationId xmlns:a16="http://schemas.microsoft.com/office/drawing/2014/main" id="{6CFA0859-C33B-BD71-F4BE-212F475BDDD7}"/>
                   </a:ext>
                 </a:extLst>
               </p:cNvPr>
@@ -5874,7 +5772,7 @@
               <p:cNvPr id="82" name="TextBox 81">
                 <a:extLst>
                   <a:ext uri="{FF2B5EF4-FFF2-40B4-BE49-F238E27FC236}">
-                    <a16:creationId xmlns:a16="http://schemas.microsoft.com/office/drawing/2014/main" id="{DF5BB91A-1E2B-C2EB-D33B-9FBFB7ACF03A}"/>
+                    <a16:creationId xmlns:a16="http://schemas.microsoft.com/office/drawing/2014/main" id="{334F62CA-6CA3-265F-3371-6D0EE772906D}"/>
                   </a:ext>
                 </a:extLst>
               </p:cNvPr>
@@ -5991,7 +5889,7 @@
               <p:cNvPr id="84" name="TextBox 83">
                 <a:extLst>
                   <a:ext uri="{FF2B5EF4-FFF2-40B4-BE49-F238E27FC236}">
-                    <a16:creationId xmlns:a16="http://schemas.microsoft.com/office/drawing/2014/main" id="{6C78336A-894F-7ABF-0123-80EB5737DE0C}"/>
+                    <a16:creationId xmlns:a16="http://schemas.microsoft.com/office/drawing/2014/main" id="{5F922978-E821-B6A6-B6E9-3427A314304E}"/>
                   </a:ext>
                 </a:extLst>
               </p:cNvPr>
@@ -6104,7 +6002,7 @@
               <p:cNvPr id="85" name="TextBox 84">
                 <a:extLst>
                   <a:ext uri="{FF2B5EF4-FFF2-40B4-BE49-F238E27FC236}">
-                    <a16:creationId xmlns:a16="http://schemas.microsoft.com/office/drawing/2014/main" id="{63B37A34-5E4B-C679-1330-47A96FDA3901}"/>
+                    <a16:creationId xmlns:a16="http://schemas.microsoft.com/office/drawing/2014/main" id="{55C7326E-BAB2-14C4-0C9D-A9D866BCD690}"/>
                   </a:ext>
                 </a:extLst>
               </p:cNvPr>
@@ -6223,7 +6121,7 @@
           <p:cNvPr id="87" name="TextBox 86">
             <a:extLst>
               <a:ext uri="{FF2B5EF4-FFF2-40B4-BE49-F238E27FC236}">
-                <a16:creationId xmlns:a16="http://schemas.microsoft.com/office/drawing/2014/main" id="{80076395-AFBD-164D-95E1-BAE2551C353C}"/>
+                <a16:creationId xmlns:a16="http://schemas.microsoft.com/office/drawing/2014/main" id="{2E41EEA1-604B-E68A-FFC7-9AE9C38C0C00}"/>
               </a:ext>
             </a:extLst>
           </p:cNvPr>
@@ -6264,7 +6162,7 @@
           <p:cNvPr id="88" name="TextBox 87">
             <a:extLst>
               <a:ext uri="{FF2B5EF4-FFF2-40B4-BE49-F238E27FC236}">
-                <a16:creationId xmlns:a16="http://schemas.microsoft.com/office/drawing/2014/main" id="{DB0BDFC8-A10E-AD4F-E820-429CD2DF42EF}"/>
+                <a16:creationId xmlns:a16="http://schemas.microsoft.com/office/drawing/2014/main" id="{ABE9E373-1078-79F0-78BA-B619CAC0F045}"/>
               </a:ext>
             </a:extLst>
           </p:cNvPr>
@@ -6305,7 +6203,7 @@
           <p:cNvPr id="89" name="TextBox 88">
             <a:extLst>
               <a:ext uri="{FF2B5EF4-FFF2-40B4-BE49-F238E27FC236}">
-                <a16:creationId xmlns:a16="http://schemas.microsoft.com/office/drawing/2014/main" id="{17A1C164-B72B-BE1B-256F-18BC9A8AC51B}"/>
+                <a16:creationId xmlns:a16="http://schemas.microsoft.com/office/drawing/2014/main" id="{0479888B-8F13-FDE3-C6D9-F65FC7072CAA}"/>
               </a:ext>
             </a:extLst>
           </p:cNvPr>
@@ -6346,7 +6244,7 @@
           <p:cNvPr id="90" name="TextBox 89">
             <a:extLst>
               <a:ext uri="{FF2B5EF4-FFF2-40B4-BE49-F238E27FC236}">
-                <a16:creationId xmlns:a16="http://schemas.microsoft.com/office/drawing/2014/main" id="{877FE5FF-44EE-DDAF-1F63-258B377DF3B2}"/>
+                <a16:creationId xmlns:a16="http://schemas.microsoft.com/office/drawing/2014/main" id="{261FE04B-B2E9-F7A0-F7C7-91EE71B8758F}"/>
               </a:ext>
             </a:extLst>
           </p:cNvPr>
@@ -6387,7 +6285,7 @@
           <p:cNvPr id="93" name="Straight Connector 92">
             <a:extLst>
               <a:ext uri="{FF2B5EF4-FFF2-40B4-BE49-F238E27FC236}">
-                <a16:creationId xmlns:a16="http://schemas.microsoft.com/office/drawing/2014/main" id="{B581966D-FE96-3BAB-0F89-0B60A075BBDD}"/>
+                <a16:creationId xmlns:a16="http://schemas.microsoft.com/office/drawing/2014/main" id="{6B35B16B-9E47-E4E9-B439-DA88136BB8AC}"/>
               </a:ext>
             </a:extLst>
           </p:cNvPr>
@@ -6431,7 +6329,7 @@
           <p:cNvPr id="99" name="Straight Connector 98">
             <a:extLst>
               <a:ext uri="{FF2B5EF4-FFF2-40B4-BE49-F238E27FC236}">
-                <a16:creationId xmlns:a16="http://schemas.microsoft.com/office/drawing/2014/main" id="{96FD79A5-F9D8-790F-1980-83544515B59F}"/>
+                <a16:creationId xmlns:a16="http://schemas.microsoft.com/office/drawing/2014/main" id="{BB331159-EDF0-53F0-D198-09E312892143}"/>
               </a:ext>
             </a:extLst>
           </p:cNvPr>
@@ -6475,7 +6373,7 @@
           <p:cNvPr id="101" name="Oval 100">
             <a:extLst>
               <a:ext uri="{FF2B5EF4-FFF2-40B4-BE49-F238E27FC236}">
-                <a16:creationId xmlns:a16="http://schemas.microsoft.com/office/drawing/2014/main" id="{EDFA7BC0-5349-A3D5-3D7E-DCD38DEC5E22}"/>
+                <a16:creationId xmlns:a16="http://schemas.microsoft.com/office/drawing/2014/main" id="{25F51D5D-0ACE-3DF2-79CB-30F3FCA35335}"/>
               </a:ext>
             </a:extLst>
           </p:cNvPr>
@@ -6531,7 +6429,7 @@
               <p:cNvPr id="98" name="TextBox 97">
                 <a:extLst>
                   <a:ext uri="{FF2B5EF4-FFF2-40B4-BE49-F238E27FC236}">
-                    <a16:creationId xmlns:a16="http://schemas.microsoft.com/office/drawing/2014/main" id="{AF564171-5099-B1F9-0E0B-77DA6D0CC661}"/>
+                    <a16:creationId xmlns:a16="http://schemas.microsoft.com/office/drawing/2014/main" id="{A6A41368-367A-D1A4-513B-2D826AE93A30}"/>
                   </a:ext>
                 </a:extLst>
               </p:cNvPr>
@@ -6654,14 +6552,14 @@
           </p:sp>
         </mc:Fallback>
       </mc:AlternateContent>
-      <mc:AlternateContent xmlns:mc="http://schemas.openxmlformats.org/markup-compatibility/2006" xmlns:a14="http://schemas.microsoft.com/office/drawing/2010/main">
-        <mc:Choice Requires="a14">
+      <mc:AlternateContent xmlns:mc="http://schemas.openxmlformats.org/markup-compatibility/2006">
+        <mc:Choice xmlns:a14="http://schemas.microsoft.com/office/drawing/2010/main" Requires="a14">
           <p:sp>
             <p:nvSpPr>
               <p:cNvPr id="100" name="TextBox 99">
                 <a:extLst>
                   <a:ext uri="{FF2B5EF4-FFF2-40B4-BE49-F238E27FC236}">
-                    <a16:creationId xmlns:a16="http://schemas.microsoft.com/office/drawing/2014/main" id="{18EC8833-8293-C889-D38E-B295907A72FF}"/>
+                    <a16:creationId xmlns:a16="http://schemas.microsoft.com/office/drawing/2014/main" id="{98A5DFA1-BA23-D49C-A27B-1BC4EE1E0FFA}"/>
                   </a:ext>
                 </a:extLst>
               </p:cNvPr>
@@ -6670,7 +6568,7 @@
             </p:nvSpPr>
             <p:spPr>
               <a:xfrm>
-                <a:off x="4529753" y="825339"/>
+                <a:off x="4514866" y="893693"/>
                 <a:ext cx="522722" cy="261482"/>
               </a:xfrm>
               <a:prstGeom prst="rect">
@@ -6749,13 +6647,13 @@
             </p:txBody>
           </p:sp>
         </mc:Choice>
-        <mc:Fallback xmlns="">
+        <mc:Fallback>
           <p:sp>
             <p:nvSpPr>
               <p:cNvPr id="100" name="TextBox 99">
                 <a:extLst>
                   <a:ext uri="{FF2B5EF4-FFF2-40B4-BE49-F238E27FC236}">
-                    <a16:creationId xmlns:a16="http://schemas.microsoft.com/office/drawing/2014/main" id="{18EC8833-8293-C889-D38E-B295907A72FF}"/>
+                    <a16:creationId xmlns:a16="http://schemas.microsoft.com/office/drawing/2014/main" id="{98A5DFA1-BA23-D49C-A27B-1BC4EE1E0FFA}"/>
                   </a:ext>
                 </a:extLst>
               </p:cNvPr>
@@ -6766,7 +6664,7 @@
             </p:nvSpPr>
             <p:spPr>
               <a:xfrm>
-                <a:off x="4529753" y="825339"/>
+                <a:off x="4514866" y="893693"/>
                 <a:ext cx="522722" cy="261482"/>
               </a:xfrm>
               <a:prstGeom prst="rect">
@@ -6804,7 +6702,7 @@
               <p:cNvPr id="102" name="TextBox 101">
                 <a:extLst>
                   <a:ext uri="{FF2B5EF4-FFF2-40B4-BE49-F238E27FC236}">
-                    <a16:creationId xmlns:a16="http://schemas.microsoft.com/office/drawing/2014/main" id="{0439D430-CBB2-5332-0B6E-261DBC355F68}"/>
+                    <a16:creationId xmlns:a16="http://schemas.microsoft.com/office/drawing/2014/main" id="{92F9E2B4-CC6F-3DC0-F272-12FE93EA306F}"/>
                   </a:ext>
                 </a:extLst>
               </p:cNvPr>
@@ -6945,7 +6843,7 @@
           <p:cNvPr id="103" name="Freeform: Shape 102">
             <a:extLst>
               <a:ext uri="{FF2B5EF4-FFF2-40B4-BE49-F238E27FC236}">
-                <a16:creationId xmlns:a16="http://schemas.microsoft.com/office/drawing/2014/main" id="{B66742F3-93C5-44B9-3CE7-C46DCE0116F1}"/>
+                <a16:creationId xmlns:a16="http://schemas.microsoft.com/office/drawing/2014/main" id="{7D58E074-769B-6A4E-7C4E-D1F90F577F70}"/>
               </a:ext>
             </a:extLst>
           </p:cNvPr>
@@ -7069,7 +6967,7 @@
           <p:cNvPr id="104" name="Freeform: Shape 103">
             <a:extLst>
               <a:ext uri="{FF2B5EF4-FFF2-40B4-BE49-F238E27FC236}">
-                <a16:creationId xmlns:a16="http://schemas.microsoft.com/office/drawing/2014/main" id="{8FB2B84E-752C-2BA7-4697-0DA2FAD7EBFE}"/>
+                <a16:creationId xmlns:a16="http://schemas.microsoft.com/office/drawing/2014/main" id="{F90B4226-E7E1-4E32-EB58-46EFA353F0EB}"/>
               </a:ext>
             </a:extLst>
           </p:cNvPr>
@@ -7183,7 +7081,7 @@
           <p:cNvPr id="106" name="Freeform: Shape 105">
             <a:extLst>
               <a:ext uri="{FF2B5EF4-FFF2-40B4-BE49-F238E27FC236}">
-                <a16:creationId xmlns:a16="http://schemas.microsoft.com/office/drawing/2014/main" id="{12B6EAAD-D370-9AC1-C48E-B89798E5E89F}"/>
+                <a16:creationId xmlns:a16="http://schemas.microsoft.com/office/drawing/2014/main" id="{CA7C6B93-AA0A-DE86-D720-0AA46C5E3B0C}"/>
               </a:ext>
             </a:extLst>
           </p:cNvPr>
@@ -7289,7 +7187,7 @@
               <p:cNvPr id="110" name="TextBox 109">
                 <a:extLst>
                   <a:ext uri="{FF2B5EF4-FFF2-40B4-BE49-F238E27FC236}">
-                    <a16:creationId xmlns:a16="http://schemas.microsoft.com/office/drawing/2014/main" id="{DAA3998F-EDEE-7879-344C-7F3E800A3180}"/>
+                    <a16:creationId xmlns:a16="http://schemas.microsoft.com/office/drawing/2014/main" id="{F92076D4-F861-B136-08EC-9457B0D1DAE8}"/>
                   </a:ext>
                 </a:extLst>
               </p:cNvPr>
@@ -7430,7 +7328,7 @@
           <p:cNvPr id="116" name="Straight Connector 115">
             <a:extLst>
               <a:ext uri="{FF2B5EF4-FFF2-40B4-BE49-F238E27FC236}">
-                <a16:creationId xmlns:a16="http://schemas.microsoft.com/office/drawing/2014/main" id="{AA2A3DC6-716B-8B87-8E8F-F4CC8BEE2BE1}"/>
+                <a16:creationId xmlns:a16="http://schemas.microsoft.com/office/drawing/2014/main" id="{257FBFAF-C02C-8205-70B8-1E4F080F1BB0}"/>
               </a:ext>
             </a:extLst>
           </p:cNvPr>
@@ -7475,7 +7373,7 @@
               <p:cNvPr id="2" name="TextBox 1">
                 <a:extLst>
                   <a:ext uri="{FF2B5EF4-FFF2-40B4-BE49-F238E27FC236}">
-                    <a16:creationId xmlns:a16="http://schemas.microsoft.com/office/drawing/2014/main" id="{6BE208E2-24A3-B7B6-7441-33A16690688B}"/>
+                    <a16:creationId xmlns:a16="http://schemas.microsoft.com/office/drawing/2014/main" id="{A660A1B5-74F8-3E02-D0F4-26BC45A9222B}"/>
                   </a:ext>
                 </a:extLst>
               </p:cNvPr>
@@ -7605,7 +7503,7 @@
               <p:cNvPr id="30" name="TextBox 29">
                 <a:extLst>
                   <a:ext uri="{FF2B5EF4-FFF2-40B4-BE49-F238E27FC236}">
-                    <a16:creationId xmlns:a16="http://schemas.microsoft.com/office/drawing/2014/main" id="{89458287-D68D-3084-A21F-FCCA75272C16}"/>
+                    <a16:creationId xmlns:a16="http://schemas.microsoft.com/office/drawing/2014/main" id="{67951CB0-3A37-2C50-6E39-53917C112D75}"/>
                   </a:ext>
                 </a:extLst>
               </p:cNvPr>
@@ -7724,7 +7622,7 @@
               <p:cNvPr id="32" name="TextBox 31">
                 <a:extLst>
                   <a:ext uri="{FF2B5EF4-FFF2-40B4-BE49-F238E27FC236}">
-                    <a16:creationId xmlns:a16="http://schemas.microsoft.com/office/drawing/2014/main" id="{4737F6E8-DE96-1389-8F22-CFDFBF655CF1}"/>
+                    <a16:creationId xmlns:a16="http://schemas.microsoft.com/office/drawing/2014/main" id="{C8886AFA-C133-1C03-95C8-3706F58431F9}"/>
                   </a:ext>
                 </a:extLst>
               </p:cNvPr>
@@ -7841,7 +7739,7 @@
               <p:cNvPr id="39" name="TextBox 38">
                 <a:extLst>
                   <a:ext uri="{FF2B5EF4-FFF2-40B4-BE49-F238E27FC236}">
-                    <a16:creationId xmlns:a16="http://schemas.microsoft.com/office/drawing/2014/main" id="{796D1E54-508F-9C4E-07B1-6CA574B1C75B}"/>
+                    <a16:creationId xmlns:a16="http://schemas.microsoft.com/office/drawing/2014/main" id="{16D81B8F-3C4C-96B2-6B36-274C9AE33753}"/>
                   </a:ext>
                 </a:extLst>
               </p:cNvPr>
@@ -7958,7 +7856,7 @@
               <p:cNvPr id="40" name="TextBox 39">
                 <a:extLst>
                   <a:ext uri="{FF2B5EF4-FFF2-40B4-BE49-F238E27FC236}">
-                    <a16:creationId xmlns:a16="http://schemas.microsoft.com/office/drawing/2014/main" id="{0EEA1CB5-E17D-0AD4-46CF-5A96C2EC2FCC}"/>
+                    <a16:creationId xmlns:a16="http://schemas.microsoft.com/office/drawing/2014/main" id="{EBB2D758-C430-A9D6-632B-00C1DC95B681}"/>
                   </a:ext>
                 </a:extLst>
               </p:cNvPr>
@@ -8075,7 +7973,7 @@
               <p:cNvPr id="47" name="TextBox 46">
                 <a:extLst>
                   <a:ext uri="{FF2B5EF4-FFF2-40B4-BE49-F238E27FC236}">
-                    <a16:creationId xmlns:a16="http://schemas.microsoft.com/office/drawing/2014/main" id="{F5716817-9DCF-0937-1021-BBBBA409405A}"/>
+                    <a16:creationId xmlns:a16="http://schemas.microsoft.com/office/drawing/2014/main" id="{F8AAB552-B822-4E6F-AE5C-930EF5DC6083}"/>
                   </a:ext>
                 </a:extLst>
               </p:cNvPr>
@@ -8187,7 +8085,7 @@
               <p:cNvPr id="55" name="TextBox 54">
                 <a:extLst>
                   <a:ext uri="{FF2B5EF4-FFF2-40B4-BE49-F238E27FC236}">
-                    <a16:creationId xmlns:a16="http://schemas.microsoft.com/office/drawing/2014/main" id="{B2170899-933D-191C-53A8-C5D277D9A66E}"/>
+                    <a16:creationId xmlns:a16="http://schemas.microsoft.com/office/drawing/2014/main" id="{4AED29DE-280D-098E-623B-ABB5A5B610AB}"/>
                   </a:ext>
                 </a:extLst>
               </p:cNvPr>
@@ -8299,7 +8197,7 @@
               <p:cNvPr id="65" name="TextBox 64">
                 <a:extLst>
                   <a:ext uri="{FF2B5EF4-FFF2-40B4-BE49-F238E27FC236}">
-                    <a16:creationId xmlns:a16="http://schemas.microsoft.com/office/drawing/2014/main" id="{05C92A87-0E6B-1FDB-6F64-D5AE0519F5C5}"/>
+                    <a16:creationId xmlns:a16="http://schemas.microsoft.com/office/drawing/2014/main" id="{C4A1A8BC-2A3C-DC67-101B-B8EE1C2CAFAF}"/>
                   </a:ext>
                 </a:extLst>
               </p:cNvPr>
@@ -8411,7 +8309,7 @@
               <p:cNvPr id="111" name="TextBox 110">
                 <a:extLst>
                   <a:ext uri="{FF2B5EF4-FFF2-40B4-BE49-F238E27FC236}">
-                    <a16:creationId xmlns:a16="http://schemas.microsoft.com/office/drawing/2014/main" id="{AC1814B1-2A2C-7EE0-D300-7C00767759AA}"/>
+                    <a16:creationId xmlns:a16="http://schemas.microsoft.com/office/drawing/2014/main" id="{E67E6018-8D8B-9B17-02B6-5CA31DA22931}"/>
                   </a:ext>
                 </a:extLst>
               </p:cNvPr>
@@ -8564,14 +8462,14 @@
           </p:sp>
         </mc:Fallback>
       </mc:AlternateContent>
-      <mc:AlternateContent xmlns:mc="http://schemas.openxmlformats.org/markup-compatibility/2006" xmlns:a14="http://schemas.microsoft.com/office/drawing/2010/main">
-        <mc:Choice Requires="a14">
+      <mc:AlternateContent xmlns:mc="http://schemas.openxmlformats.org/markup-compatibility/2006">
+        <mc:Choice xmlns:a14="http://schemas.microsoft.com/office/drawing/2010/main" Requires="a14">
           <p:sp>
             <p:nvSpPr>
               <p:cNvPr id="114" name="TextBox 113">
                 <a:extLst>
                   <a:ext uri="{FF2B5EF4-FFF2-40B4-BE49-F238E27FC236}">
-                    <a16:creationId xmlns:a16="http://schemas.microsoft.com/office/drawing/2014/main" id="{6782255A-B5B7-5AF8-E3FD-FBD214633BF0}"/>
+                    <a16:creationId xmlns:a16="http://schemas.microsoft.com/office/drawing/2014/main" id="{B0EA6EAB-090D-9D43-BEA0-D46F117630F2}"/>
                   </a:ext>
                 </a:extLst>
               </p:cNvPr>
@@ -8580,7 +8478,7 @@
             </p:nvSpPr>
             <p:spPr>
               <a:xfrm>
-                <a:off x="7962448" y="1248701"/>
+                <a:off x="8003890" y="1292369"/>
                 <a:ext cx="1024835" cy="430631"/>
               </a:xfrm>
               <a:prstGeom prst="rect">
@@ -8679,13 +8577,13 @@
             </p:txBody>
           </p:sp>
         </mc:Choice>
-        <mc:Fallback xmlns="">
+        <mc:Fallback>
           <p:sp>
             <p:nvSpPr>
               <p:cNvPr id="114" name="TextBox 113">
                 <a:extLst>
                   <a:ext uri="{FF2B5EF4-FFF2-40B4-BE49-F238E27FC236}">
-                    <a16:creationId xmlns:a16="http://schemas.microsoft.com/office/drawing/2014/main" id="{6782255A-B5B7-5AF8-E3FD-FBD214633BF0}"/>
+                    <a16:creationId xmlns:a16="http://schemas.microsoft.com/office/drawing/2014/main" id="{B0EA6EAB-090D-9D43-BEA0-D46F117630F2}"/>
                   </a:ext>
                 </a:extLst>
               </p:cNvPr>
@@ -8696,7 +8594,7 @@
             </p:nvSpPr>
             <p:spPr>
               <a:xfrm>
-                <a:off x="7962448" y="1248701"/>
+                <a:off x="8003890" y="1292369"/>
                 <a:ext cx="1024835" cy="430631"/>
               </a:xfrm>
               <a:prstGeom prst="rect">
@@ -8705,7 +8603,7 @@
               <a:blipFill>
                 <a:blip r:embed="rId26"/>
                 <a:stretch>
-                  <a:fillRect b="-2857"/>
+                  <a:fillRect b="-2817"/>
                 </a:stretch>
               </a:blipFill>
             </p:spPr>
@@ -8731,7 +8629,7 @@
               <p:cNvPr id="28" name="TextBox 27">
                 <a:extLst>
                   <a:ext uri="{FF2B5EF4-FFF2-40B4-BE49-F238E27FC236}">
-                    <a16:creationId xmlns:a16="http://schemas.microsoft.com/office/drawing/2014/main" id="{250D2982-5FB0-EFED-5D44-E4A6B28CB33F}"/>
+                    <a16:creationId xmlns:a16="http://schemas.microsoft.com/office/drawing/2014/main" id="{B82128C9-DF7B-1601-AD47-B2BF81891A0F}"/>
                   </a:ext>
                 </a:extLst>
               </p:cNvPr>
@@ -8862,7 +8760,7 @@
               <p:cNvPr id="29" name="TextBox 28">
                 <a:extLst>
                   <a:ext uri="{FF2B5EF4-FFF2-40B4-BE49-F238E27FC236}">
-                    <a16:creationId xmlns:a16="http://schemas.microsoft.com/office/drawing/2014/main" id="{23FF7AB1-BDEC-C136-C30E-0E850B09E54B}"/>
+                    <a16:creationId xmlns:a16="http://schemas.microsoft.com/office/drawing/2014/main" id="{A0752D2D-1969-4084-D3A9-DF5C1C979D4C}"/>
                   </a:ext>
                 </a:extLst>
               </p:cNvPr>
@@ -8993,7 +8891,7 @@
               <p:cNvPr id="64" name="TextBox 63">
                 <a:extLst>
                   <a:ext uri="{FF2B5EF4-FFF2-40B4-BE49-F238E27FC236}">
-                    <a16:creationId xmlns:a16="http://schemas.microsoft.com/office/drawing/2014/main" id="{643D0A1C-1AB1-AB5C-C799-D5D6A66FEC97}"/>
+                    <a16:creationId xmlns:a16="http://schemas.microsoft.com/office/drawing/2014/main" id="{C5C16307-C0A6-3694-19E9-354F88E758C9}"/>
                   </a:ext>
                 </a:extLst>
               </p:cNvPr>
@@ -9124,7 +9022,7 @@
               <p:cNvPr id="107" name="TextBox 106">
                 <a:extLst>
                   <a:ext uri="{FF2B5EF4-FFF2-40B4-BE49-F238E27FC236}">
-                    <a16:creationId xmlns:a16="http://schemas.microsoft.com/office/drawing/2014/main" id="{4185812A-664E-798A-17E4-51CE7E5152B6}"/>
+                    <a16:creationId xmlns:a16="http://schemas.microsoft.com/office/drawing/2014/main" id="{8749F6A5-62A2-3674-FA38-244060AE3CD4}"/>
                   </a:ext>
                 </a:extLst>
               </p:cNvPr>
@@ -9284,7 +9182,7 @@
               <p:cNvPr id="115" name="TextBox 114">
                 <a:extLst>
                   <a:ext uri="{FF2B5EF4-FFF2-40B4-BE49-F238E27FC236}">
-                    <a16:creationId xmlns:a16="http://schemas.microsoft.com/office/drawing/2014/main" id="{7AC83BD4-7790-5AD0-0B47-2CCA46F35CF2}"/>
+                    <a16:creationId xmlns:a16="http://schemas.microsoft.com/office/drawing/2014/main" id="{941D7DD8-01BA-4C84-C1A7-D61672D395BB}"/>
                   </a:ext>
                 </a:extLst>
               </p:cNvPr>
@@ -9293,7 +9191,7 @@
             </p:nvSpPr>
             <p:spPr>
               <a:xfrm>
-                <a:off x="2185830" y="262150"/>
+                <a:off x="2247816" y="246903"/>
                 <a:ext cx="1178142" cy="253787"/>
               </a:xfrm>
               <a:prstGeom prst="rect">
@@ -9409,7 +9307,7 @@
             </p:nvSpPr>
             <p:spPr>
               <a:xfrm>
-                <a:off x="2185830" y="262150"/>
+                <a:off x="2247816" y="246903"/>
                 <a:ext cx="1178142" cy="253787"/>
               </a:xfrm>
               <a:prstGeom prst="rect">
@@ -9418,7 +9316,7 @@
               <a:blipFill>
                 <a:blip r:embed="rId30"/>
                 <a:stretch>
-                  <a:fillRect b="-4762"/>
+                  <a:fillRect b="-4878"/>
                 </a:stretch>
               </a:blipFill>
             </p:spPr>
@@ -9444,7 +9342,7 @@
               <p:cNvPr id="117" name="TextBox 116">
                 <a:extLst>
                   <a:ext uri="{FF2B5EF4-FFF2-40B4-BE49-F238E27FC236}">
-                    <a16:creationId xmlns:a16="http://schemas.microsoft.com/office/drawing/2014/main" id="{D6A0FA4F-4285-A4E7-7AB4-BAD3A482DA5B}"/>
+                    <a16:creationId xmlns:a16="http://schemas.microsoft.com/office/drawing/2014/main" id="{CA11E266-EA90-4068-B8E8-F6FDCC0D2BDC}"/>
                   </a:ext>
                 </a:extLst>
               </p:cNvPr>
@@ -9628,7 +9526,7 @@
           <p:cNvPr id="119" name="Freeform: Shape 118">
             <a:extLst>
               <a:ext uri="{FF2B5EF4-FFF2-40B4-BE49-F238E27FC236}">
-                <a16:creationId xmlns:a16="http://schemas.microsoft.com/office/drawing/2014/main" id="{8CCE0BD1-EBDD-54E6-8E19-8BF5725A783D}"/>
+                <a16:creationId xmlns:a16="http://schemas.microsoft.com/office/drawing/2014/main" id="{8DC68284-C45C-89DA-A840-E3408209759B}"/>
               </a:ext>
             </a:extLst>
           </p:cNvPr>
@@ -9748,7 +9646,7 @@
           <p:cNvPr id="125" name="Straight Connector 124">
             <a:extLst>
               <a:ext uri="{FF2B5EF4-FFF2-40B4-BE49-F238E27FC236}">
-                <a16:creationId xmlns:a16="http://schemas.microsoft.com/office/drawing/2014/main" id="{648433A5-762A-5063-CE1C-354C38428B22}"/>
+                <a16:creationId xmlns:a16="http://schemas.microsoft.com/office/drawing/2014/main" id="{2096D7FB-0DE5-2BB2-C336-E40B2F217866}"/>
               </a:ext>
             </a:extLst>
           </p:cNvPr>
@@ -9794,7 +9692,7 @@
           <p:cNvPr id="126" name="Straight Connector 125">
             <a:extLst>
               <a:ext uri="{FF2B5EF4-FFF2-40B4-BE49-F238E27FC236}">
-                <a16:creationId xmlns:a16="http://schemas.microsoft.com/office/drawing/2014/main" id="{266601E5-E7E8-D670-EA1C-2A5A7AACC71F}"/>
+                <a16:creationId xmlns:a16="http://schemas.microsoft.com/office/drawing/2014/main" id="{66632013-2E90-458C-47E7-4911B60A5643}"/>
               </a:ext>
             </a:extLst>
           </p:cNvPr>
@@ -9805,8 +9703,8 @@
         </p:nvCxnSpPr>
         <p:spPr>
           <a:xfrm flipV="1">
-            <a:off x="3162201" y="315664"/>
-            <a:ext cx="372334" cy="381322"/>
+            <a:off x="3143566" y="315664"/>
+            <a:ext cx="390969" cy="415081"/>
           </a:xfrm>
           <a:prstGeom prst="line">
             <a:avLst/>
@@ -9842,7 +9740,7 @@
               <p:cNvPr id="18" name="TextBox 17">
                 <a:extLst>
                   <a:ext uri="{FF2B5EF4-FFF2-40B4-BE49-F238E27FC236}">
-                    <a16:creationId xmlns:a16="http://schemas.microsoft.com/office/drawing/2014/main" id="{C262DCE2-9A37-F777-F8A9-DE501A779A73}"/>
+                    <a16:creationId xmlns:a16="http://schemas.microsoft.com/office/drawing/2014/main" id="{39452729-A8ED-D2AB-DB57-E2E91E114074}"/>
                   </a:ext>
                 </a:extLst>
               </p:cNvPr>
@@ -10002,7 +9900,7 @@
               <p:cNvPr id="24" name="TextBox 23">
                 <a:extLst>
                   <a:ext uri="{FF2B5EF4-FFF2-40B4-BE49-F238E27FC236}">
-                    <a16:creationId xmlns:a16="http://schemas.microsoft.com/office/drawing/2014/main" id="{91B95B44-E0DC-948D-CC27-977511B8C08F}"/>
+                    <a16:creationId xmlns:a16="http://schemas.microsoft.com/office/drawing/2014/main" id="{110D42DD-F1B6-62A1-AF43-EE424E366E93}"/>
                   </a:ext>
                 </a:extLst>
               </p:cNvPr>
@@ -10188,7 +10086,7 @@
               <p:cNvPr id="27" name="TextBox 26">
                 <a:extLst>
                   <a:ext uri="{FF2B5EF4-FFF2-40B4-BE49-F238E27FC236}">
-                    <a16:creationId xmlns:a16="http://schemas.microsoft.com/office/drawing/2014/main" id="{44535D94-B21B-0D93-AC34-B1C4D01DC8DA}"/>
+                    <a16:creationId xmlns:a16="http://schemas.microsoft.com/office/drawing/2014/main" id="{D8D8F447-5B84-BCDD-2BA0-25266CD11DD6}"/>
                   </a:ext>
                 </a:extLst>
               </p:cNvPr>
@@ -10367,14 +10265,14 @@
           </p:sp>
         </mc:Fallback>
       </mc:AlternateContent>
-      <mc:AlternateContent xmlns:mc="http://schemas.openxmlformats.org/markup-compatibility/2006" xmlns:a14="http://schemas.microsoft.com/office/drawing/2010/main">
-        <mc:Choice Requires="a14">
+      <mc:AlternateContent xmlns:mc="http://schemas.openxmlformats.org/markup-compatibility/2006">
+        <mc:Choice xmlns:a14="http://schemas.microsoft.com/office/drawing/2010/main" Requires="a14">
           <p:sp>
             <p:nvSpPr>
               <p:cNvPr id="35" name="TextBox 34">
                 <a:extLst>
                   <a:ext uri="{FF2B5EF4-FFF2-40B4-BE49-F238E27FC236}">
-                    <a16:creationId xmlns:a16="http://schemas.microsoft.com/office/drawing/2014/main" id="{2C920734-6D7C-4ACC-EA81-6D774D2D843F}"/>
+                    <a16:creationId xmlns:a16="http://schemas.microsoft.com/office/drawing/2014/main" id="{AA474AB0-E208-1C51-DD32-B3FCDD023216}"/>
                   </a:ext>
                 </a:extLst>
               </p:cNvPr>
@@ -10383,7 +10281,7 @@
             </p:nvSpPr>
             <p:spPr>
               <a:xfrm>
-                <a:off x="7376548" y="1398189"/>
+                <a:off x="7378127" y="1284309"/>
                 <a:ext cx="296582" cy="430631"/>
               </a:xfrm>
               <a:prstGeom prst="rect">
@@ -10435,13 +10333,13 @@
             </p:txBody>
           </p:sp>
         </mc:Choice>
-        <mc:Fallback xmlns="">
+        <mc:Fallback>
           <p:sp>
             <p:nvSpPr>
               <p:cNvPr id="35" name="TextBox 34">
                 <a:extLst>
                   <a:ext uri="{FF2B5EF4-FFF2-40B4-BE49-F238E27FC236}">
-                    <a16:creationId xmlns:a16="http://schemas.microsoft.com/office/drawing/2014/main" id="{2C920734-6D7C-4ACC-EA81-6D774D2D843F}"/>
+                    <a16:creationId xmlns:a16="http://schemas.microsoft.com/office/drawing/2014/main" id="{AA474AB0-E208-1C51-DD32-B3FCDD023216}"/>
                   </a:ext>
                 </a:extLst>
               </p:cNvPr>
@@ -10452,7 +10350,7 @@
             </p:nvSpPr>
             <p:spPr>
               <a:xfrm>
-                <a:off x="7376548" y="1398189"/>
+                <a:off x="7378127" y="1284309"/>
                 <a:ext cx="296582" cy="430631"/>
               </a:xfrm>
               <a:prstGeom prst="rect">
@@ -10487,7 +10385,7 @@
               <p:cNvPr id="36" name="TextBox 35">
                 <a:extLst>
                   <a:ext uri="{FF2B5EF4-FFF2-40B4-BE49-F238E27FC236}">
-                    <a16:creationId xmlns:a16="http://schemas.microsoft.com/office/drawing/2014/main" id="{3BD87EC6-5A80-DC19-E223-F7991785441C}"/>
+                    <a16:creationId xmlns:a16="http://schemas.microsoft.com/office/drawing/2014/main" id="{81A6008F-CDF4-161F-1C3D-A6C89FB380F5}"/>
                   </a:ext>
                 </a:extLst>
               </p:cNvPr>
@@ -10606,7 +10504,7 @@
           <p:cNvPr id="37" name="Freeform: Shape 36">
             <a:extLst>
               <a:ext uri="{FF2B5EF4-FFF2-40B4-BE49-F238E27FC236}">
-                <a16:creationId xmlns:a16="http://schemas.microsoft.com/office/drawing/2014/main" id="{17E7AD17-FB25-4965-9D49-CA7EA3DA0DC9}"/>
+                <a16:creationId xmlns:a16="http://schemas.microsoft.com/office/drawing/2014/main" id="{CCBBD534-9C81-4ACE-6805-76B779ABC3B1}"/>
               </a:ext>
             </a:extLst>
           </p:cNvPr>
@@ -10726,7 +10624,7 @@
           <p:cNvPr id="83" name="Oval 82">
             <a:extLst>
               <a:ext uri="{FF2B5EF4-FFF2-40B4-BE49-F238E27FC236}">
-                <a16:creationId xmlns:a16="http://schemas.microsoft.com/office/drawing/2014/main" id="{3658080D-6EE8-5817-2FC3-8AEBE07EF637}"/>
+                <a16:creationId xmlns:a16="http://schemas.microsoft.com/office/drawing/2014/main" id="{5B47433D-AF85-72FA-01FE-31259F84C846}"/>
               </a:ext>
             </a:extLst>
           </p:cNvPr>
@@ -10775,14 +10673,14 @@
           </a:p>
         </p:txBody>
       </p:sp>
-      <mc:AlternateContent xmlns:mc="http://schemas.openxmlformats.org/markup-compatibility/2006">
-        <mc:Choice xmlns:a14="http://schemas.microsoft.com/office/drawing/2010/main" Requires="a14">
+      <mc:AlternateContent xmlns:mc="http://schemas.openxmlformats.org/markup-compatibility/2006" xmlns:a14="http://schemas.microsoft.com/office/drawing/2010/main">
+        <mc:Choice Requires="a14">
           <p:sp>
             <p:nvSpPr>
               <p:cNvPr id="86" name="TextBox 85">
                 <a:extLst>
                   <a:ext uri="{FF2B5EF4-FFF2-40B4-BE49-F238E27FC236}">
-                    <a16:creationId xmlns:a16="http://schemas.microsoft.com/office/drawing/2014/main" id="{9465A80F-33EA-96DF-9CF2-CB72B7031553}"/>
+                    <a16:creationId xmlns:a16="http://schemas.microsoft.com/office/drawing/2014/main" id="{51ED937F-EB79-F735-47CB-FA0DCAD09699}"/>
                   </a:ext>
                 </a:extLst>
               </p:cNvPr>
@@ -10791,7 +10689,7 @@
             </p:nvSpPr>
             <p:spPr>
               <a:xfrm>
-                <a:off x="1960748" y="433846"/>
+                <a:off x="1995108" y="418667"/>
                 <a:ext cx="1526259" cy="306559"/>
               </a:xfrm>
               <a:prstGeom prst="rect">
@@ -10913,7 +10811,7 @@
             </p:txBody>
           </p:sp>
         </mc:Choice>
-        <mc:Fallback>
+        <mc:Fallback xmlns="">
           <p:sp>
             <p:nvSpPr>
               <p:cNvPr id="86" name="TextBox 85">
@@ -10930,7 +10828,7 @@
             </p:nvSpPr>
             <p:spPr>
               <a:xfrm>
-                <a:off x="1960748" y="433846"/>
+                <a:off x="1995108" y="418667"/>
                 <a:ext cx="1526259" cy="306559"/>
               </a:xfrm>
               <a:prstGeom prst="rect">
@@ -10939,7 +10837,7 @@
               <a:blipFill>
                 <a:blip r:embed="rId37"/>
                 <a:stretch>
-                  <a:fillRect b="-2000"/>
+                  <a:fillRect/>
                 </a:stretch>
               </a:blipFill>
             </p:spPr>
@@ -10965,7 +10863,7 @@
               <p:cNvPr id="91" name="TextBox 90">
                 <a:extLst>
                   <a:ext uri="{FF2B5EF4-FFF2-40B4-BE49-F238E27FC236}">
-                    <a16:creationId xmlns:a16="http://schemas.microsoft.com/office/drawing/2014/main" id="{039DFCCD-49AA-2CE5-5664-AB699218BA0D}"/>
+                    <a16:creationId xmlns:a16="http://schemas.microsoft.com/office/drawing/2014/main" id="{B73687D5-171F-614A-52FE-51EFFC5E6F06}"/>
                   </a:ext>
                 </a:extLst>
               </p:cNvPr>
@@ -10974,7 +10872,7 @@
             </p:nvSpPr>
             <p:spPr>
               <a:xfrm>
-                <a:off x="4390390" y="326372"/>
+                <a:off x="4016553" y="640033"/>
                 <a:ext cx="1526259" cy="306559"/>
               </a:xfrm>
               <a:prstGeom prst="rect">
@@ -11102,7 +11000,7 @@
               <p:cNvPr id="91" name="TextBox 90">
                 <a:extLst>
                   <a:ext uri="{FF2B5EF4-FFF2-40B4-BE49-F238E27FC236}">
-                    <a16:creationId xmlns:a16="http://schemas.microsoft.com/office/drawing/2014/main" id="{039DFCCD-49AA-2CE5-5664-AB699218BA0D}"/>
+                    <a16:creationId xmlns:a16="http://schemas.microsoft.com/office/drawing/2014/main" id="{B73687D5-171F-614A-52FE-51EFFC5E6F06}"/>
                   </a:ext>
                 </a:extLst>
               </p:cNvPr>
@@ -11113,7 +11011,7 @@
             </p:nvSpPr>
             <p:spPr>
               <a:xfrm>
-                <a:off x="4390390" y="326372"/>
+                <a:off x="4016553" y="640033"/>
                 <a:ext cx="1526259" cy="306559"/>
               </a:xfrm>
               <a:prstGeom prst="rect">
@@ -11141,10 +11039,263 @@
           </p:sp>
         </mc:Fallback>
       </mc:AlternateContent>
+      <p:sp>
+        <p:nvSpPr>
+          <p:cNvPr id="3" name="Freeform: Shape 2">
+            <a:extLst>
+              <a:ext uri="{FF2B5EF4-FFF2-40B4-BE49-F238E27FC236}">
+                <a16:creationId xmlns:a16="http://schemas.microsoft.com/office/drawing/2014/main" id="{ACB52FFB-CB49-2B3D-8FB5-FE87C9F31EC7}"/>
+              </a:ext>
+            </a:extLst>
+          </p:cNvPr>
+          <p:cNvSpPr/>
+          <p:nvPr/>
+        </p:nvSpPr>
+        <p:spPr>
+          <a:xfrm>
+            <a:off x="7100308" y="701470"/>
+            <a:ext cx="1258313" cy="1053619"/>
+          </a:xfrm>
+          <a:custGeom>
+            <a:avLst/>
+            <a:gdLst>
+              <a:gd name="connsiteX0" fmla="*/ 480744 w 1304209"/>
+              <a:gd name="connsiteY0" fmla="*/ 0 h 932605"/>
+              <a:gd name="connsiteX1" fmla="*/ 810 w 1304209"/>
+              <a:gd name="connsiteY1" fmla="*/ 515298 h 932605"/>
+              <a:gd name="connsiteX2" fmla="*/ 581782 w 1304209"/>
+              <a:gd name="connsiteY2" fmla="*/ 929556 h 932605"/>
+              <a:gd name="connsiteX3" fmla="*/ 1102131 w 1304209"/>
+              <a:gd name="connsiteY3" fmla="*/ 692115 h 932605"/>
+              <a:gd name="connsiteX4" fmla="*/ 1304209 w 1304209"/>
+              <a:gd name="connsiteY4" fmla="*/ 479934 h 932605"/>
+            </a:gdLst>
+            <a:ahLst/>
+            <a:cxnLst>
+              <a:cxn ang="0">
+                <a:pos x="connsiteX0" y="connsiteY0"/>
+              </a:cxn>
+              <a:cxn ang="0">
+                <a:pos x="connsiteX1" y="connsiteY1"/>
+              </a:cxn>
+              <a:cxn ang="0">
+                <a:pos x="connsiteX2" y="connsiteY2"/>
+              </a:cxn>
+              <a:cxn ang="0">
+                <a:pos x="connsiteX3" y="connsiteY3"/>
+              </a:cxn>
+              <a:cxn ang="0">
+                <a:pos x="connsiteX4" y="connsiteY4"/>
+              </a:cxn>
+            </a:cxnLst>
+            <a:rect l="l" t="t" r="r" b="b"/>
+            <a:pathLst>
+              <a:path w="1304209" h="932605">
+                <a:moveTo>
+                  <a:pt x="480744" y="0"/>
+                </a:moveTo>
+                <a:cubicBezTo>
+                  <a:pt x="232357" y="180186"/>
+                  <a:pt x="-16030" y="360372"/>
+                  <a:pt x="810" y="515298"/>
+                </a:cubicBezTo>
+                <a:cubicBezTo>
+                  <a:pt x="17650" y="670224"/>
+                  <a:pt x="398228" y="900087"/>
+                  <a:pt x="581782" y="929556"/>
+                </a:cubicBezTo>
+                <a:cubicBezTo>
+                  <a:pt x="765336" y="959026"/>
+                  <a:pt x="981727" y="767052"/>
+                  <a:pt x="1102131" y="692115"/>
+                </a:cubicBezTo>
+                <a:cubicBezTo>
+                  <a:pt x="1222535" y="617178"/>
+                  <a:pt x="1263372" y="548556"/>
+                  <a:pt x="1304209" y="479934"/>
+                </a:cubicBezTo>
+              </a:path>
+            </a:pathLst>
+          </a:custGeom>
+          <a:noFill/>
+          <a:ln w="28575">
+            <a:solidFill>
+              <a:schemeClr val="tx1">
+                <a:alpha val="50000"/>
+              </a:schemeClr>
+            </a:solidFill>
+            <a:headEnd type="oval" w="med" len="med"/>
+            <a:tailEnd type="triangle" w="med" len="med"/>
+          </a:ln>
+        </p:spPr>
+        <p:style>
+          <a:lnRef idx="2">
+            <a:schemeClr val="accent1">
+              <a:shade val="15000"/>
+            </a:schemeClr>
+          </a:lnRef>
+          <a:fillRef idx="1">
+            <a:schemeClr val="accent1"/>
+          </a:fillRef>
+          <a:effectRef idx="0">
+            <a:schemeClr val="accent1"/>
+          </a:effectRef>
+          <a:fontRef idx="minor">
+            <a:schemeClr val="lt1"/>
+          </a:fontRef>
+        </p:style>
+        <p:txBody>
+          <a:bodyPr rtlCol="0" anchor="ctr"/>
+          <a:lstStyle/>
+          <a:p>
+            <a:pPr algn="ctr"/>
+            <a:endParaRPr lang="en-US" sz="1799"/>
+          </a:p>
+        </p:txBody>
+      </p:sp>
+      <p:cxnSp>
+        <p:nvCxnSpPr>
+          <p:cNvPr id="17" name="Straight Connector 16">
+            <a:extLst>
+              <a:ext uri="{FF2B5EF4-FFF2-40B4-BE49-F238E27FC236}">
+                <a16:creationId xmlns:a16="http://schemas.microsoft.com/office/drawing/2014/main" id="{6D30B7AF-F2DE-06B7-FEAC-C16C63108E8D}"/>
+              </a:ext>
+            </a:extLst>
+          </p:cNvPr>
+          <p:cNvCxnSpPr>
+            <a:cxnSpLocks/>
+            <a:endCxn id="33" idx="2"/>
+          </p:cNvCxnSpPr>
+          <p:nvPr/>
+        </p:nvCxnSpPr>
+        <p:spPr>
+          <a:xfrm flipV="1">
+            <a:off x="3677446" y="262151"/>
+            <a:ext cx="738241" cy="939"/>
+          </a:xfrm>
+          <a:prstGeom prst="line">
+            <a:avLst/>
+          </a:prstGeom>
+          <a:ln w="28575">
+            <a:solidFill>
+              <a:srgbClr val="FFC000">
+                <a:alpha val="50000"/>
+              </a:srgbClr>
+            </a:solidFill>
+            <a:prstDash val="sysDot"/>
+          </a:ln>
+        </p:spPr>
+        <p:style>
+          <a:lnRef idx="2">
+            <a:schemeClr val="accent1"/>
+          </a:lnRef>
+          <a:fillRef idx="0">
+            <a:schemeClr val="accent1"/>
+          </a:fillRef>
+          <a:effectRef idx="1">
+            <a:schemeClr val="accent1"/>
+          </a:effectRef>
+          <a:fontRef idx="minor">
+            <a:schemeClr val="tx1"/>
+          </a:fontRef>
+        </p:style>
+      </p:cxnSp>
+      <p:cxnSp>
+        <p:nvCxnSpPr>
+          <p:cNvPr id="20" name="Straight Connector 19">
+            <a:extLst>
+              <a:ext uri="{FF2B5EF4-FFF2-40B4-BE49-F238E27FC236}">
+                <a16:creationId xmlns:a16="http://schemas.microsoft.com/office/drawing/2014/main" id="{7DAE39BC-43AC-DF53-4726-7E55683CAFF7}"/>
+              </a:ext>
+            </a:extLst>
+          </p:cNvPr>
+          <p:cNvCxnSpPr>
+            <a:cxnSpLocks/>
+          </p:cNvCxnSpPr>
+          <p:nvPr/>
+        </p:nvCxnSpPr>
+        <p:spPr>
+          <a:xfrm flipV="1">
+            <a:off x="5908394" y="179360"/>
+            <a:ext cx="666745" cy="940"/>
+          </a:xfrm>
+          <a:prstGeom prst="line">
+            <a:avLst/>
+          </a:prstGeom>
+          <a:ln w="28575">
+            <a:solidFill>
+              <a:srgbClr val="FFC000">
+                <a:alpha val="50000"/>
+              </a:srgbClr>
+            </a:solidFill>
+            <a:prstDash val="sysDot"/>
+          </a:ln>
+        </p:spPr>
+        <p:style>
+          <a:lnRef idx="2">
+            <a:schemeClr val="accent1"/>
+          </a:lnRef>
+          <a:fillRef idx="0">
+            <a:schemeClr val="accent1"/>
+          </a:fillRef>
+          <a:effectRef idx="1">
+            <a:schemeClr val="accent1"/>
+          </a:effectRef>
+          <a:fontRef idx="minor">
+            <a:schemeClr val="tx1"/>
+          </a:fontRef>
+        </p:style>
+      </p:cxnSp>
+      <p:cxnSp>
+        <p:nvCxnSpPr>
+          <p:cNvPr id="22" name="Straight Connector 21">
+            <a:extLst>
+              <a:ext uri="{FF2B5EF4-FFF2-40B4-BE49-F238E27FC236}">
+                <a16:creationId xmlns:a16="http://schemas.microsoft.com/office/drawing/2014/main" id="{C5D05448-D404-A170-3D5C-10FE61D81046}"/>
+              </a:ext>
+            </a:extLst>
+          </p:cNvPr>
+          <p:cNvCxnSpPr>
+            <a:cxnSpLocks/>
+          </p:cNvCxnSpPr>
+          <p:nvPr/>
+        </p:nvCxnSpPr>
+        <p:spPr>
+          <a:xfrm flipV="1">
+            <a:off x="5390822" y="219855"/>
+            <a:ext cx="408480" cy="410061"/>
+          </a:xfrm>
+          <a:prstGeom prst="line">
+            <a:avLst/>
+          </a:prstGeom>
+          <a:ln w="28575">
+            <a:solidFill>
+              <a:srgbClr val="FFC000">
+                <a:alpha val="50000"/>
+              </a:srgbClr>
+            </a:solidFill>
+            <a:prstDash val="sysDot"/>
+          </a:ln>
+        </p:spPr>
+        <p:style>
+          <a:lnRef idx="2">
+            <a:schemeClr val="accent1"/>
+          </a:lnRef>
+          <a:fillRef idx="0">
+            <a:schemeClr val="accent1"/>
+          </a:fillRef>
+          <a:effectRef idx="1">
+            <a:schemeClr val="accent1"/>
+          </a:effectRef>
+          <a:fontRef idx="minor">
+            <a:schemeClr val="tx1"/>
+          </a:fontRef>
+        </p:style>
+      </p:cxnSp>
     </p:spTree>
     <p:extLst>
       <p:ext uri="{BB962C8B-B14F-4D97-AF65-F5344CB8AC3E}">
-        <p14:creationId xmlns:p14="http://schemas.microsoft.com/office/powerpoint/2010/main" val="4214192359"/>
+        <p14:creationId xmlns:p14="http://schemas.microsoft.com/office/powerpoint/2010/main" val="2936774861"/>
       </p:ext>
     </p:extLst>
   </p:cSld>
@@ -12422,6 +12573,60 @@
                                   </p:childTnLst>
                                 </p:cTn>
                               </p:par>
+                              <p:par>
+                                <p:cTn id="98" presetID="1" presetClass="entr" presetSubtype="0" fill="hold" nodeType="withEffect">
+                                  <p:stCondLst>
+                                    <p:cond delay="0"/>
+                                  </p:stCondLst>
+                                  <p:childTnLst>
+                                    <p:set>
+                                      <p:cBhvr>
+                                        <p:cTn id="99" dur="1" fill="hold">
+                                          <p:stCondLst>
+                                            <p:cond delay="0"/>
+                                          </p:stCondLst>
+                                        </p:cTn>
+                                        <p:tgtEl>
+                                          <p:spTgt spid="17"/>
+                                        </p:tgtEl>
+                                        <p:attrNameLst>
+                                          <p:attrName>style.visibility</p:attrName>
+                                        </p:attrNameLst>
+                                      </p:cBhvr>
+                                      <p:to>
+                                        <p:strVal val="visible"/>
+                                      </p:to>
+                                    </p:set>
+                                  </p:childTnLst>
+                                </p:cTn>
+                              </p:par>
+                              <p:par>
+                                <p:cTn id="100" presetID="1" presetClass="entr" presetSubtype="0" fill="hold" nodeType="withEffect">
+                                  <p:stCondLst>
+                                    <p:cond delay="0"/>
+                                  </p:stCondLst>
+                                  <p:childTnLst>
+                                    <p:set>
+                                      <p:cBhvr>
+                                        <p:cTn id="101" dur="1" fill="hold">
+                                          <p:stCondLst>
+                                            <p:cond delay="0"/>
+                                          </p:stCondLst>
+                                        </p:cTn>
+                                        <p:tgtEl>
+                                          <p:spTgt spid="20"/>
+                                        </p:tgtEl>
+                                        <p:attrNameLst>
+                                          <p:attrName>style.visibility</p:attrName>
+                                        </p:attrNameLst>
+                                      </p:cBhvr>
+                                      <p:to>
+                                        <p:strVal val="visible"/>
+                                      </p:to>
+                                    </p:set>
+                                  </p:childTnLst>
+                                </p:cTn>
+                              </p:par>
                             </p:childTnLst>
                           </p:cTn>
                         </p:par>
